--- a/inst/extdata/Afro_Template.pptx
+++ b/inst/extdata/Afro_Template.pptx
@@ -5,11 +5,10 @@
     <p:sldMasterId id="2147483660" r:id="rId4"/>
   </p:sldMasterIdLst>
   <p:notesMasterIdLst>
-    <p:notesMasterId r:id="rId7"/>
+    <p:notesMasterId r:id="rId6"/>
   </p:notesMasterIdLst>
   <p:sldIdLst>
     <p:sldId id="2436" r:id="rId5"/>
-    <p:sldId id="2437" r:id="rId6"/>
   </p:sldIdLst>
   <p:sldSz cx="12192000" cy="6858000"/>
   <p:notesSz cx="6858000" cy="9144000"/>
@@ -210,7 +209,7 @@
           <a:p>
             <a:fld id="{FABDE91E-E84E-4FD3-B316-5B0D801A4ACC}" type="datetimeFigureOut">
               <a:rPr lang="en-US" smtClean="0"/>
-              <a:t>12/9/2020</a:t>
+              <a:t>12/13/2020</a:t>
             </a:fld>
             <a:endParaRPr lang="en-US"/>
           </a:p>
@@ -499,7 +498,7 @@
           <p:cNvPr id="4" name="Rectangle 3">
             <a:extLst>
               <a:ext uri="{FF2B5EF4-FFF2-40B4-BE49-F238E27FC236}">
-                <a16:creationId xmlns="" xmlns:a16="http://schemas.microsoft.com/office/drawing/2014/main" id="{79DD145D-196B-4540-A282-69DD3E2AFF58}"/>
+                <a16:creationId xmlns:a16="http://schemas.microsoft.com/office/drawing/2014/main" xmlns="" id="{79DD145D-196B-4540-A282-69DD3E2AFF58}"/>
               </a:ext>
             </a:extLst>
           </p:cNvPr>
@@ -551,7 +550,7 @@
           <p:cNvPr id="7" name="Picture 2">
             <a:extLst>
               <a:ext uri="{FF2B5EF4-FFF2-40B4-BE49-F238E27FC236}">
-                <a16:creationId xmlns="" xmlns:a16="http://schemas.microsoft.com/office/drawing/2014/main" id="{21C238F3-4A22-4DDD-A573-5103C24DCD7F}"/>
+                <a16:creationId xmlns:a16="http://schemas.microsoft.com/office/drawing/2014/main" xmlns="" id="{21C238F3-4A22-4DDD-A573-5103C24DCD7F}"/>
               </a:ext>
             </a:extLst>
           </p:cNvPr>
@@ -645,7 +644,7 @@
           <p:cNvPr id="9" name="Picture 8" descr="A close up of a logo&#10;&#10;Description generated with high confidence">
             <a:extLst>
               <a:ext uri="{FF2B5EF4-FFF2-40B4-BE49-F238E27FC236}">
-                <a16:creationId xmlns="" xmlns:a16="http://schemas.microsoft.com/office/drawing/2014/main" id="{55ED2BC8-7EE6-402F-A586-D174F3270579}"/>
+                <a16:creationId xmlns:a16="http://schemas.microsoft.com/office/drawing/2014/main" xmlns="" id="{55ED2BC8-7EE6-402F-A586-D174F3270579}"/>
               </a:ext>
             </a:extLst>
           </p:cNvPr>
@@ -680,7 +679,7 @@
           <p:cNvPr id="11" name="Rectangle 10">
             <a:extLst>
               <a:ext uri="{FF2B5EF4-FFF2-40B4-BE49-F238E27FC236}">
-                <a16:creationId xmlns="" xmlns:a16="http://schemas.microsoft.com/office/drawing/2014/main" id="{D44D099F-929A-44FB-BA48-430C9E0DDDED}"/>
+                <a16:creationId xmlns:a16="http://schemas.microsoft.com/office/drawing/2014/main" xmlns="" id="{D44D099F-929A-44FB-BA48-430C9E0DDDED}"/>
               </a:ext>
             </a:extLst>
           </p:cNvPr>
@@ -732,7 +731,7 @@
           <p:cNvPr id="12" name="Picture 11">
             <a:extLst>
               <a:ext uri="{FF2B5EF4-FFF2-40B4-BE49-F238E27FC236}">
-                <a16:creationId xmlns="" xmlns:a16="http://schemas.microsoft.com/office/drawing/2014/main" id="{946F61D3-8D60-4DEA-948E-CF0317DAAA69}"/>
+                <a16:creationId xmlns:a16="http://schemas.microsoft.com/office/drawing/2014/main" xmlns="" id="{946F61D3-8D60-4DEA-948E-CF0317DAAA69}"/>
               </a:ext>
             </a:extLst>
           </p:cNvPr>
@@ -768,7 +767,7 @@
           <p:cNvPr id="13" name="Rectangle 12">
             <a:extLst>
               <a:ext uri="{FF2B5EF4-FFF2-40B4-BE49-F238E27FC236}">
-                <a16:creationId xmlns="" xmlns:a16="http://schemas.microsoft.com/office/drawing/2014/main" id="{71C86AB2-32C8-40F1-8FB6-9168F5D93089}"/>
+                <a16:creationId xmlns:a16="http://schemas.microsoft.com/office/drawing/2014/main" xmlns="" id="{71C86AB2-32C8-40F1-8FB6-9168F5D93089}"/>
               </a:ext>
             </a:extLst>
           </p:cNvPr>
@@ -822,7 +821,7 @@
           <p:cNvPr id="14" name="Picture 13" descr="A close up of a logo&#10;&#10;Description generated with high confidence">
             <a:extLst>
               <a:ext uri="{FF2B5EF4-FFF2-40B4-BE49-F238E27FC236}">
-                <a16:creationId xmlns="" xmlns:a16="http://schemas.microsoft.com/office/drawing/2014/main" id="{BFAC3A48-79D0-46D2-B0C2-AC2A75704D70}"/>
+                <a16:creationId xmlns:a16="http://schemas.microsoft.com/office/drawing/2014/main" xmlns="" id="{BFAC3A48-79D0-46D2-B0C2-AC2A75704D70}"/>
               </a:ext>
             </a:extLst>
           </p:cNvPr>
@@ -858,7 +857,7 @@
           <p:cNvPr id="16" name="Picture 2">
             <a:extLst>
               <a:ext uri="{FF2B5EF4-FFF2-40B4-BE49-F238E27FC236}">
-                <a16:creationId xmlns="" xmlns:a16="http://schemas.microsoft.com/office/drawing/2014/main" id="{83A7C192-BE2C-441D-B5D7-8ABAFBB40208}"/>
+                <a16:creationId xmlns:a16="http://schemas.microsoft.com/office/drawing/2014/main" xmlns="" id="{83A7C192-BE2C-441D-B5D7-8ABAFBB40208}"/>
               </a:ext>
             </a:extLst>
           </p:cNvPr>
@@ -916,7 +915,7 @@
           <p:cNvPr id="17" name="Picture 18">
             <a:extLst>
               <a:ext uri="{FF2B5EF4-FFF2-40B4-BE49-F238E27FC236}">
-                <a16:creationId xmlns="" xmlns:a16="http://schemas.microsoft.com/office/drawing/2014/main" id="{3D867239-A590-304D-8C0B-9C1805B470D7}"/>
+                <a16:creationId xmlns:a16="http://schemas.microsoft.com/office/drawing/2014/main" xmlns="" id="{3D867239-A590-304D-8C0B-9C1805B470D7}"/>
               </a:ext>
             </a:extLst>
           </p:cNvPr>
@@ -1381,8 +1380,8 @@
         </p:nvSpPr>
         <p:spPr>
           <a:xfrm>
-            <a:off x="149568" y="289023"/>
-            <a:ext cx="11892864" cy="873952"/>
+            <a:off x="149568" y="16852"/>
+            <a:ext cx="11892864" cy="909465"/>
           </a:xfrm>
         </p:spPr>
         <p:txBody>
@@ -1415,8 +1414,8 @@
         </p:nvSpPr>
         <p:spPr>
           <a:xfrm>
-            <a:off x="149568" y="1162975"/>
-            <a:ext cx="11892864" cy="4963189"/>
+            <a:off x="0" y="1029810"/>
+            <a:ext cx="12192000" cy="5282214"/>
           </a:xfrm>
         </p:spPr>
         <p:txBody>
@@ -1871,8 +1870,8 @@
         </p:nvSpPr>
         <p:spPr>
           <a:xfrm>
-            <a:off x="149567" y="1600201"/>
-            <a:ext cx="6304863" cy="4525963"/>
+            <a:off x="149568" y="1600201"/>
+            <a:ext cx="5588000" cy="4525963"/>
           </a:xfrm>
         </p:spPr>
         <p:txBody>
@@ -2214,7 +2213,7 @@
         <p:spPr>
           <a:xfrm>
             <a:off x="149568" y="1535113"/>
-            <a:ext cx="6306797" cy="639762"/>
+            <a:ext cx="5514385" cy="639762"/>
           </a:xfrm>
         </p:spPr>
         <p:txBody>
@@ -2283,7 +2282,7 @@
         <p:spPr>
           <a:xfrm>
             <a:off x="149568" y="2174875"/>
-            <a:ext cx="6306797" cy="3951288"/>
+            <a:ext cx="5514385" cy="3951288"/>
           </a:xfrm>
         </p:spPr>
         <p:txBody>
@@ -3522,7 +3521,7 @@
           <p:cNvPr id="15" name="Picture 2">
             <a:extLst>
               <a:ext uri="{FF2B5EF4-FFF2-40B4-BE49-F238E27FC236}">
-                <a16:creationId xmlns="" xmlns:a16="http://schemas.microsoft.com/office/drawing/2014/main" id="{D7A0002B-45D0-4697-B089-8498D50CE991}"/>
+                <a16:creationId xmlns:a16="http://schemas.microsoft.com/office/drawing/2014/main" xmlns="" id="{D7A0002B-45D0-4697-B089-8498D50CE991}"/>
               </a:ext>
             </a:extLst>
           </p:cNvPr>
@@ -3584,8 +3583,8 @@
         </p:nvSpPr>
         <p:spPr>
           <a:xfrm>
-            <a:off x="-12289" y="1170406"/>
-            <a:ext cx="12204289" cy="5138322"/>
+            <a:off x="-12289" y="1046119"/>
+            <a:ext cx="12204289" cy="5262609"/>
           </a:xfrm>
           <a:prstGeom prst="rect">
             <a:avLst/>
@@ -3634,8 +3633,8 @@
         </p:nvSpPr>
         <p:spPr>
           <a:xfrm>
-            <a:off x="149568" y="1286397"/>
-            <a:ext cx="11892864" cy="4839767"/>
+            <a:off x="0" y="905081"/>
+            <a:ext cx="12192000" cy="5403645"/>
           </a:xfrm>
           <a:prstGeom prst="rect">
             <a:avLst/>
@@ -3769,7 +3768,7 @@
         </p:nvSpPr>
         <p:spPr>
           <a:xfrm>
-            <a:off x="149568" y="274634"/>
+            <a:off x="161856" y="9310"/>
             <a:ext cx="11892863" cy="895771"/>
           </a:xfrm>
           <a:prstGeom prst="rect">
@@ -3848,47 +3847,12 @@
           </a:p>
         </p:txBody>
       </p:sp>
-      <p:pic>
-        <p:nvPicPr>
-          <p:cNvPr id="25" name="Picture 24" descr="A close up of a logo&#10;&#10;Description generated with high confidence">
-            <a:extLst>
-              <a:ext uri="{FF2B5EF4-FFF2-40B4-BE49-F238E27FC236}">
-                <a16:creationId xmlns="" xmlns:a16="http://schemas.microsoft.com/office/drawing/2014/main" id="{55ED2BC8-7EE6-402F-A586-D174F3270579}"/>
-              </a:ext>
-            </a:extLst>
-          </p:cNvPr>
-          <p:cNvPicPr>
-            <a:picLocks noChangeAspect="1"/>
-          </p:cNvPicPr>
-          <p:nvPr userDrawn="1"/>
-        </p:nvPicPr>
-        <p:blipFill rotWithShape="1">
-          <a:blip r:embed="rId13" cstate="print">
-            <a:extLst>
-              <a:ext uri="{28A0092B-C50C-407E-A947-70E740481C1C}">
-                <a14:useLocalDpi xmlns:a14="http://schemas.microsoft.com/office/drawing/2010/main" val="0"/>
-              </a:ext>
-            </a:extLst>
-          </a:blip>
-          <a:srcRect t="24348" b="58264"/>
-          <a:stretch/>
-        </p:blipFill>
-        <p:spPr>
-          <a:xfrm>
-            <a:off x="-12289" y="1"/>
-            <a:ext cx="12204289" cy="274633"/>
-          </a:xfrm>
-          <a:prstGeom prst="rect">
-            <a:avLst/>
-          </a:prstGeom>
-        </p:spPr>
-      </p:pic>
       <p:sp>
         <p:nvSpPr>
           <p:cNvPr id="29" name="Rectangle 28">
             <a:extLst>
               <a:ext uri="{FF2B5EF4-FFF2-40B4-BE49-F238E27FC236}">
-                <a16:creationId xmlns="" xmlns:a16="http://schemas.microsoft.com/office/drawing/2014/main" id="{D44D099F-929A-44FB-BA48-430C9E0DDDED}"/>
+                <a16:creationId xmlns:a16="http://schemas.microsoft.com/office/drawing/2014/main" xmlns="" id="{D44D099F-929A-44FB-BA48-430C9E0DDDED}"/>
               </a:ext>
             </a:extLst>
           </p:cNvPr>
@@ -3940,7 +3904,7 @@
           <p:cNvPr id="16" name="Picture 15">
             <a:extLst>
               <a:ext uri="{FF2B5EF4-FFF2-40B4-BE49-F238E27FC236}">
-                <a16:creationId xmlns="" xmlns:a16="http://schemas.microsoft.com/office/drawing/2014/main" id="{946F61D3-8D60-4DEA-948E-CF0317DAAA69}"/>
+                <a16:creationId xmlns:a16="http://schemas.microsoft.com/office/drawing/2014/main" xmlns="" id="{946F61D3-8D60-4DEA-948E-CF0317DAAA69}"/>
               </a:ext>
             </a:extLst>
           </p:cNvPr>
@@ -3950,7 +3914,7 @@
           <p:nvPr userDrawn="1"/>
         </p:nvPicPr>
         <p:blipFill>
-          <a:blip r:embed="rId14" cstate="print">
+          <a:blip r:embed="rId13" cstate="print">
             <a:extLst>
               <a:ext uri="{28A0092B-C50C-407E-A947-70E740481C1C}">
                 <a14:useLocalDpi xmlns:a14="http://schemas.microsoft.com/office/drawing/2010/main" val="0"/>
@@ -3976,7 +3940,7 @@
           <p:cNvPr id="17" name="Rectangle 16">
             <a:extLst>
               <a:ext uri="{FF2B5EF4-FFF2-40B4-BE49-F238E27FC236}">
-                <a16:creationId xmlns="" xmlns:a16="http://schemas.microsoft.com/office/drawing/2014/main" id="{71C86AB2-32C8-40F1-8FB6-9168F5D93089}"/>
+                <a16:creationId xmlns:a16="http://schemas.microsoft.com/office/drawing/2014/main" xmlns="" id="{71C86AB2-32C8-40F1-8FB6-9168F5D93089}"/>
               </a:ext>
             </a:extLst>
           </p:cNvPr>
@@ -4030,7 +3994,7 @@
           <p:cNvPr id="19" name="Picture 18" descr="A close up of a logo&#10;&#10;Description generated with high confidence">
             <a:extLst>
               <a:ext uri="{FF2B5EF4-FFF2-40B4-BE49-F238E27FC236}">
-                <a16:creationId xmlns="" xmlns:a16="http://schemas.microsoft.com/office/drawing/2014/main" id="{BFAC3A48-79D0-46D2-B0C2-AC2A75704D70}"/>
+                <a16:creationId xmlns:a16="http://schemas.microsoft.com/office/drawing/2014/main" xmlns="" id="{BFAC3A48-79D0-46D2-B0C2-AC2A75704D70}"/>
               </a:ext>
             </a:extLst>
           </p:cNvPr>
@@ -4040,7 +4004,7 @@
           <p:nvPr userDrawn="1"/>
         </p:nvPicPr>
         <p:blipFill>
-          <a:blip r:embed="rId15" cstate="print">
+          <a:blip r:embed="rId14" cstate="print">
             <a:extLst>
               <a:ext uri="{28A0092B-C50C-407E-A947-70E740481C1C}">
                 <a14:useLocalDpi xmlns:a14="http://schemas.microsoft.com/office/drawing/2010/main" val="0"/>
@@ -4414,105 +4378,6 @@
       </p:par>
     </p:tnLst>
   </p:timing>
-</p:sld>
-</file>
-
-<file path=ppt/slides/slide2.xml><?xml version="1.0" encoding="utf-8"?>
-<p:sld xmlns:a="http://schemas.openxmlformats.org/drawingml/2006/main" xmlns:r="http://schemas.openxmlformats.org/officeDocument/2006/relationships" xmlns:p="http://schemas.openxmlformats.org/presentationml/2006/main">
-  <p:cSld>
-    <p:spTree>
-      <p:nvGrpSpPr>
-        <p:cNvPr id="1" name=""/>
-        <p:cNvGrpSpPr/>
-        <p:nvPr/>
-      </p:nvGrpSpPr>
-      <p:grpSpPr>
-        <a:xfrm>
-          <a:off x="0" y="0"/>
-          <a:ext cx="0" cy="0"/>
-          <a:chOff x="0" y="0"/>
-          <a:chExt cx="0" cy="0"/>
-        </a:xfrm>
-      </p:grpSpPr>
-      <p:sp>
-        <p:nvSpPr>
-          <p:cNvPr id="2" name="Title 1"/>
-          <p:cNvSpPr>
-            <a:spLocks noGrp="1"/>
-          </p:cNvSpPr>
-          <p:nvPr>
-            <p:ph type="title"/>
-          </p:nvPr>
-        </p:nvSpPr>
-        <p:spPr/>
-        <p:txBody>
-          <a:bodyPr/>
-          <a:lstStyle/>
-          <a:p>
-            <a:endParaRPr lang="en-GB"/>
-          </a:p>
-        </p:txBody>
-      </p:sp>
-      <p:sp>
-        <p:nvSpPr>
-          <p:cNvPr id="3" name="Content Placeholder 2"/>
-          <p:cNvSpPr>
-            <a:spLocks noGrp="1"/>
-          </p:cNvSpPr>
-          <p:nvPr>
-            <p:ph idx="1"/>
-          </p:nvPr>
-        </p:nvSpPr>
-        <p:spPr/>
-        <p:txBody>
-          <a:bodyPr/>
-          <a:lstStyle/>
-          <a:p>
-            <a:endParaRPr lang="en-GB"/>
-          </a:p>
-        </p:txBody>
-      </p:sp>
-      <p:sp>
-        <p:nvSpPr>
-          <p:cNvPr id="4" name="Date Placeholder 3"/>
-          <p:cNvSpPr>
-            <a:spLocks noGrp="1"/>
-          </p:cNvSpPr>
-          <p:nvPr>
-            <p:ph type="dt" sz="half" idx="10"/>
-          </p:nvPr>
-        </p:nvSpPr>
-        <p:spPr/>
-        <p:txBody>
-          <a:bodyPr/>
-          <a:lstStyle/>
-          <a:p>
-            <a:r>
-              <a:rPr lang="en-US" smtClean="0">
-                <a:solidFill>
-                  <a:prstClr val="white"/>
-                </a:solidFill>
-              </a:rPr>
-              <a:t>3 March 2020</a:t>
-            </a:r>
-            <a:endParaRPr lang="en-GB" dirty="0">
-              <a:solidFill>
-                <a:prstClr val="white"/>
-              </a:solidFill>
-            </a:endParaRPr>
-          </a:p>
-        </p:txBody>
-      </p:sp>
-    </p:spTree>
-    <p:extLst>
-      <p:ext uri="{BB962C8B-B14F-4D97-AF65-F5344CB8AC3E}">
-        <p14:creationId xmlns:p14="http://schemas.microsoft.com/office/powerpoint/2010/main" val="3695716209"/>
-      </p:ext>
-    </p:extLst>
-  </p:cSld>
-  <p:clrMapOvr>
-    <a:masterClrMapping/>
-  </p:clrMapOvr>
 </p:sld>
 </file>
 
@@ -5111,6 +4976,12 @@
 </file>
 
 <file path=customXml/item2.xml><?xml version="1.0" encoding="utf-8"?>
+<p:properties xmlns:p="http://schemas.microsoft.com/office/2006/metadata/properties" xmlns:xsi="http://www.w3.org/2001/XMLSchema-instance" xmlns:pc="http://schemas.microsoft.com/office/infopath/2007/PartnerControls">
+  <documentManagement/>
+</p:properties>
+</file>
+
+<file path=customXml/item3.xml><?xml version="1.0" encoding="utf-8"?>
 <ct:contentTypeSchema xmlns:ct="http://schemas.microsoft.com/office/2006/metadata/contentType" xmlns:ma="http://schemas.microsoft.com/office/2006/metadata/properties/metaAttributes" ct:_="" ma:_="" ma:contentTypeName="Document" ma:contentTypeID="0x0101001323F37193D1FD4FA7C5F6B177ACE71D" ma:contentTypeVersion="13" ma:contentTypeDescription="Create a new document." ma:contentTypeScope="" ma:versionID="a9ca8e7734355dcfa2a1b2541188c897">
   <xsd:schema xmlns:xsd="http://www.w3.org/2001/XMLSchema" xmlns:xs="http://www.w3.org/2001/XMLSchema" xmlns:p="http://schemas.microsoft.com/office/2006/metadata/properties" xmlns:ns3="3fb5d5a2-0b37-4838-a1be-c0974a47b168" xmlns:ns4="af0841bf-f90a-49f0-bd25-52494efc7298" targetNamespace="http://schemas.microsoft.com/office/2006/metadata/properties" ma:root="true" ma:fieldsID="4c85a6e4dcf40fa72f162f9066681d10" ns3:_="" ns4:_="">
     <xsd:import namespace="3fb5d5a2-0b37-4838-a1be-c0974a47b168"/>
@@ -5333,12 +5204,6 @@
 </ct:contentTypeSchema>
 </file>
 
-<file path=customXml/item3.xml><?xml version="1.0" encoding="utf-8"?>
-<p:properties xmlns:p="http://schemas.microsoft.com/office/2006/metadata/properties" xmlns:xsi="http://www.w3.org/2001/XMLSchema-instance" xmlns:pc="http://schemas.microsoft.com/office/infopath/2007/PartnerControls">
-  <documentManagement/>
-</p:properties>
-</file>
-
 <file path=customXml/itemProps1.xml><?xml version="1.0" encoding="utf-8"?>
 <ds:datastoreItem xmlns:ds="http://schemas.openxmlformats.org/officeDocument/2006/customXml" ds:itemID="{CFF2FD72-8FD9-4B8F-B1BC-377CBC32AE9F}">
   <ds:schemaRefs>
@@ -5348,6 +5213,15 @@
 </file>
 
 <file path=customXml/itemProps2.xml><?xml version="1.0" encoding="utf-8"?>
+<ds:datastoreItem xmlns:ds="http://schemas.openxmlformats.org/officeDocument/2006/customXml" ds:itemID="{1252FBAE-9BEC-499B-AE0A-E9218A7791FE}">
+  <ds:schemaRefs>
+    <ds:schemaRef ds:uri="http://schemas.microsoft.com/office/2006/metadata/properties"/>
+    <ds:schemaRef ds:uri="http://schemas.microsoft.com/office/infopath/2007/PartnerControls"/>
+  </ds:schemaRefs>
+</ds:datastoreItem>
+</file>
+
+<file path=customXml/itemProps3.xml><?xml version="1.0" encoding="utf-8"?>
 <ds:datastoreItem xmlns:ds="http://schemas.openxmlformats.org/officeDocument/2006/customXml" ds:itemID="{84C923A5-DD7F-406A-AAA2-AFD9730379F7}">
   <ds:schemaRefs>
     <ds:schemaRef ds:uri="http://schemas.microsoft.com/office/2006/metadata/contentType"/>
@@ -5364,13 +5238,4 @@
     <ds:schemaRef ds:uri="http://schemas.microsoft.com/internal/obd"/>
   </ds:schemaRefs>
 </ds:datastoreItem>
-</file>
-
-<file path=customXml/itemProps3.xml><?xml version="1.0" encoding="utf-8"?>
-<ds:datastoreItem xmlns:ds="http://schemas.openxmlformats.org/officeDocument/2006/customXml" ds:itemID="{1252FBAE-9BEC-499B-AE0A-E9218A7791FE}">
-  <ds:schemaRefs>
-    <ds:schemaRef ds:uri="http://schemas.microsoft.com/office/2006/metadata/properties"/>
-    <ds:schemaRef ds:uri="http://schemas.microsoft.com/office/infopath/2007/PartnerControls"/>
-  </ds:schemaRefs>
-</ds:datastoreItem>
 </file>